--- a/Pitch/PitchPräsi.pptx
+++ b/Pitch/PitchPräsi.pptx
@@ -7,9 +7,15 @@
   <p:sldIdLst>
     <p:sldId id="256" r:id="rId2"/>
     <p:sldId id="257" r:id="rId3"/>
-    <p:sldId id="258" r:id="rId4"/>
-    <p:sldId id="259" r:id="rId5"/>
-    <p:sldId id="260" r:id="rId6"/>
+    <p:sldId id="264" r:id="rId4"/>
+    <p:sldId id="263" r:id="rId5"/>
+    <p:sldId id="258" r:id="rId6"/>
+    <p:sldId id="265" r:id="rId7"/>
+    <p:sldId id="262" r:id="rId8"/>
+    <p:sldId id="259" r:id="rId9"/>
+    <p:sldId id="260" r:id="rId10"/>
+    <p:sldId id="261" r:id="rId11"/>
+    <p:sldId id="266" r:id="rId12"/>
   </p:sldIdLst>
   <p:sldSz cx="12192000" cy="6858000"/>
   <p:notesSz cx="6858000" cy="9144000"/>
@@ -108,6 +114,11 @@
       </a:defRPr>
     </a:lvl9pPr>
   </p:defaultTextStyle>
+  <p:extLst>
+    <p:ext uri="{EFAFB233-063F-42B5-8137-9DF3F51BA10A}">
+      <p15:sldGuideLst xmlns:p15="http://schemas.microsoft.com/office/powerpoint/2012/main"/>
+    </p:ext>
+  </p:extLst>
 </p:presentation>
 </file>
 
@@ -357,7 +368,7 @@
             <a:fld id="{B61BEF0D-F0BB-DE4B-95CE-6DB70DBA9567}" type="datetimeFigureOut">
               <a:rPr lang="en-US" dirty="0"/>
               <a:pPr/>
-              <a:t>12/3/2018</a:t>
+              <a:t>12/4/2018</a:t>
             </a:fld>
             <a:endParaRPr lang="en-US" dirty="0"/>
           </a:p>
@@ -616,7 +627,7 @@
             <a:fld id="{B61BEF0D-F0BB-DE4B-95CE-6DB70DBA9567}" type="datetimeFigureOut">
               <a:rPr lang="en-US" dirty="0"/>
               <a:pPr/>
-              <a:t>12/3/2018</a:t>
+              <a:t>12/4/2018</a:t>
             </a:fld>
             <a:endParaRPr lang="en-US" dirty="0"/>
           </a:p>
@@ -848,7 +859,7 @@
             <a:fld id="{B61BEF0D-F0BB-DE4B-95CE-6DB70DBA9567}" type="datetimeFigureOut">
               <a:rPr lang="en-US" dirty="0"/>
               <a:pPr/>
-              <a:t>12/3/2018</a:t>
+              <a:t>12/4/2018</a:t>
             </a:fld>
             <a:endParaRPr lang="en-US" dirty="0"/>
           </a:p>
@@ -1085,7 +1096,7 @@
             <a:fld id="{B61BEF0D-F0BB-DE4B-95CE-6DB70DBA9567}" type="datetimeFigureOut">
               <a:rPr lang="en-US" dirty="0"/>
               <a:pPr/>
-              <a:t>12/3/2018</a:t>
+              <a:t>12/4/2018</a:t>
             </a:fld>
             <a:endParaRPr lang="en-US" dirty="0"/>
           </a:p>
@@ -1389,7 +1400,7 @@
             <a:fld id="{B61BEF0D-F0BB-DE4B-95CE-6DB70DBA9567}" type="datetimeFigureOut">
               <a:rPr lang="en-US" dirty="0"/>
               <a:pPr/>
-              <a:t>12/3/2018</a:t>
+              <a:t>12/4/2018</a:t>
             </a:fld>
             <a:endParaRPr lang="en-US" dirty="0"/>
           </a:p>
@@ -1688,7 +1699,7 @@
             <a:fld id="{B61BEF0D-F0BB-DE4B-95CE-6DB70DBA9567}" type="datetimeFigureOut">
               <a:rPr lang="en-US" dirty="0"/>
               <a:pPr/>
-              <a:t>12/3/2018</a:t>
+              <a:t>12/4/2018</a:t>
             </a:fld>
             <a:endParaRPr lang="en-US" dirty="0"/>
           </a:p>
@@ -2107,7 +2118,7 @@
             <a:fld id="{B61BEF0D-F0BB-DE4B-95CE-6DB70DBA9567}" type="datetimeFigureOut">
               <a:rPr lang="en-US" dirty="0"/>
               <a:pPr/>
-              <a:t>12/3/2018</a:t>
+              <a:t>12/4/2018</a:t>
             </a:fld>
             <a:endParaRPr lang="en-US" dirty="0"/>
           </a:p>
@@ -2266,7 +2277,7 @@
             <a:fld id="{B61BEF0D-F0BB-DE4B-95CE-6DB70DBA9567}" type="datetimeFigureOut">
               <a:rPr lang="en-US" dirty="0"/>
               <a:pPr/>
-              <a:t>12/3/2018</a:t>
+              <a:t>12/4/2018</a:t>
             </a:fld>
             <a:endParaRPr lang="en-US" dirty="0"/>
           </a:p>
@@ -2358,7 +2369,7 @@
             <a:fld id="{B61BEF0D-F0BB-DE4B-95CE-6DB70DBA9567}" type="datetimeFigureOut">
               <a:rPr lang="en-US" dirty="0"/>
               <a:pPr/>
-              <a:t>12/3/2018</a:t>
+              <a:t>12/4/2018</a:t>
             </a:fld>
             <a:endParaRPr lang="en-US" dirty="0"/>
           </a:p>
@@ -2733,7 +2744,7 @@
             <a:fld id="{B61BEF0D-F0BB-DE4B-95CE-6DB70DBA9567}" type="datetimeFigureOut">
               <a:rPr lang="en-US" dirty="0"/>
               <a:pPr/>
-              <a:t>12/3/2018</a:t>
+              <a:t>12/4/2018</a:t>
             </a:fld>
             <a:endParaRPr lang="en-US" dirty="0"/>
           </a:p>
@@ -3019,7 +3030,7 @@
             <a:fld id="{B61BEF0D-F0BB-DE4B-95CE-6DB70DBA9567}" type="datetimeFigureOut">
               <a:rPr lang="en-US" dirty="0"/>
               <a:pPr/>
-              <a:t>12/3/2018</a:t>
+              <a:t>12/4/2018</a:t>
             </a:fld>
             <a:endParaRPr lang="en-US" dirty="0"/>
           </a:p>
@@ -3227,7 +3238,7 @@
             <a:fld id="{B61BEF0D-F0BB-DE4B-95CE-6DB70DBA9567}" type="datetimeFigureOut">
               <a:rPr lang="en-US" dirty="0"/>
               <a:pPr/>
-              <a:t>12/3/2018</a:t>
+              <a:t>12/4/2018</a:t>
             </a:fld>
             <a:endParaRPr lang="en-US" dirty="0"/>
           </a:p>
@@ -3918,6 +3929,138 @@
 </p:sld>
 </file>
 
+<file path=ppt/slides/slide10.xml><?xml version="1.0" encoding="utf-8"?>
+<p:sld xmlns:a="http://schemas.openxmlformats.org/drawingml/2006/main" xmlns:r="http://schemas.openxmlformats.org/officeDocument/2006/relationships" xmlns:p="http://schemas.openxmlformats.org/presentationml/2006/main">
+  <p:cSld>
+    <p:spTree>
+      <p:nvGrpSpPr>
+        <p:cNvPr id="1" name=""/>
+        <p:cNvGrpSpPr/>
+        <p:nvPr/>
+      </p:nvGrpSpPr>
+      <p:grpSpPr>
+        <a:xfrm>
+          <a:off x="0" y="0"/>
+          <a:ext cx="0" cy="0"/>
+          <a:chOff x="0" y="0"/>
+          <a:chExt cx="0" cy="0"/>
+        </a:xfrm>
+      </p:grpSpPr>
+      <p:sp>
+        <p:nvSpPr>
+          <p:cNvPr id="2" name="Titel 1">
+            <a:extLst>
+              <a:ext uri="{FF2B5EF4-FFF2-40B4-BE49-F238E27FC236}">
+                <a16:creationId xmlns:a16="http://schemas.microsoft.com/office/drawing/2014/main" id="{1B318F31-56B0-4499-A651-784FAFAD0C02}"/>
+              </a:ext>
+            </a:extLst>
+          </p:cNvPr>
+          <p:cNvSpPr>
+            <a:spLocks noGrp="1"/>
+          </p:cNvSpPr>
+          <p:nvPr>
+            <p:ph type="title"/>
+          </p:nvPr>
+        </p:nvSpPr>
+        <p:spPr/>
+        <p:txBody>
+          <a:bodyPr/>
+          <a:lstStyle/>
+          <a:p>
+            <a:r>
+              <a:rPr lang="de-CH" dirty="0" err="1">
+                <a:latin typeface="Montserrat Medium" panose="00000600000000000000" pitchFamily="2" charset="0"/>
+              </a:rPr>
+              <a:t>Paperprototyp</a:t>
+            </a:r>
+            <a:endParaRPr lang="en-CH" dirty="0">
+              <a:latin typeface="Montserrat Medium" panose="00000600000000000000" pitchFamily="2" charset="0"/>
+            </a:endParaRPr>
+          </a:p>
+        </p:txBody>
+      </p:sp>
+    </p:spTree>
+    <p:extLst>
+      <p:ext uri="{BB962C8B-B14F-4D97-AF65-F5344CB8AC3E}">
+        <p14:creationId xmlns:p14="http://schemas.microsoft.com/office/powerpoint/2010/main" val="2666358595"/>
+      </p:ext>
+    </p:extLst>
+  </p:cSld>
+  <p:clrMapOvr>
+    <a:masterClrMapping/>
+  </p:clrMapOvr>
+</p:sld>
+</file>
+
+<file path=ppt/slides/slide11.xml><?xml version="1.0" encoding="utf-8"?>
+<p:sld xmlns:a="http://schemas.openxmlformats.org/drawingml/2006/main" xmlns:r="http://schemas.openxmlformats.org/officeDocument/2006/relationships" xmlns:p="http://schemas.openxmlformats.org/presentationml/2006/main">
+  <p:cSld>
+    <p:spTree>
+      <p:nvGrpSpPr>
+        <p:cNvPr id="1" name=""/>
+        <p:cNvGrpSpPr/>
+        <p:nvPr/>
+      </p:nvGrpSpPr>
+      <p:grpSpPr>
+        <a:xfrm>
+          <a:off x="0" y="0"/>
+          <a:ext cx="0" cy="0"/>
+          <a:chOff x="0" y="0"/>
+          <a:chExt cx="0" cy="0"/>
+        </a:xfrm>
+      </p:grpSpPr>
+      <p:sp>
+        <p:nvSpPr>
+          <p:cNvPr id="2" name="Titel 1">
+            <a:extLst>
+              <a:ext uri="{FF2B5EF4-FFF2-40B4-BE49-F238E27FC236}">
+                <a16:creationId xmlns:a16="http://schemas.microsoft.com/office/drawing/2014/main" id="{8222F32B-3325-4BCB-85D2-500F90068F18}"/>
+              </a:ext>
+            </a:extLst>
+          </p:cNvPr>
+          <p:cNvSpPr>
+            <a:spLocks noGrp="1"/>
+          </p:cNvSpPr>
+          <p:nvPr>
+            <p:ph type="title"/>
+          </p:nvPr>
+        </p:nvSpPr>
+        <p:spPr/>
+        <p:txBody>
+          <a:bodyPr/>
+          <a:lstStyle/>
+          <a:p>
+            <a:r>
+              <a:rPr lang="de-CH" dirty="0">
+                <a:latin typeface="Montserrat Medium" panose="00000600000000000000" pitchFamily="2" charset="0"/>
+              </a:rPr>
+              <a:t>Next </a:t>
+            </a:r>
+            <a:r>
+              <a:rPr lang="de-CH" dirty="0" err="1">
+                <a:latin typeface="Montserrat Medium" panose="00000600000000000000" pitchFamily="2" charset="0"/>
+              </a:rPr>
+              <a:t>Steps</a:t>
+            </a:r>
+            <a:endParaRPr lang="en-CH" dirty="0">
+              <a:latin typeface="Montserrat Medium" panose="00000600000000000000" pitchFamily="2" charset="0"/>
+            </a:endParaRPr>
+          </a:p>
+        </p:txBody>
+      </p:sp>
+    </p:spTree>
+    <p:extLst>
+      <p:ext uri="{BB962C8B-B14F-4D97-AF65-F5344CB8AC3E}">
+        <p14:creationId xmlns:p14="http://schemas.microsoft.com/office/powerpoint/2010/main" val="1655406607"/>
+      </p:ext>
+    </p:extLst>
+  </p:cSld>
+  <p:clrMapOvr>
+    <a:masterClrMapping/>
+  </p:clrMapOvr>
+</p:sld>
+</file>
+
 <file path=ppt/slides/slide2.xml><?xml version="1.0" encoding="utf-8"?>
 <p:sld xmlns:a="http://schemas.openxmlformats.org/drawingml/2006/main" xmlns:r="http://schemas.openxmlformats.org/officeDocument/2006/relationships" xmlns:p="http://schemas.openxmlformats.org/presentationml/2006/main">
   <p:cSld>
@@ -3957,10 +4100,14 @@
           <a:lstStyle/>
           <a:p>
             <a:r>
-              <a:rPr lang="de-CH" dirty="0"/>
+              <a:rPr lang="de-CH" dirty="0">
+                <a:latin typeface="Montserrat Medium" panose="00000600000000000000" pitchFamily="2" charset="0"/>
+              </a:rPr>
               <a:t>Einleitung</a:t>
             </a:r>
-            <a:endParaRPr lang="en-CH" dirty="0"/>
+            <a:endParaRPr lang="en-CH" dirty="0">
+              <a:latin typeface="Montserrat Medium" panose="00000600000000000000" pitchFamily="2" charset="0"/>
+            </a:endParaRPr>
           </a:p>
         </p:txBody>
       </p:sp>
@@ -3985,7 +4132,7 @@
           <a:bodyPr/>
           <a:lstStyle/>
           <a:p>
-            <a:endParaRPr lang="en-CH"/>
+            <a:endParaRPr lang="en-CH" dirty="0"/>
           </a:p>
         </p:txBody>
       </p:sp>
@@ -4024,7 +4171,7 @@
           <p:cNvPr id="2" name="Titel 1">
             <a:extLst>
               <a:ext uri="{FF2B5EF4-FFF2-40B4-BE49-F238E27FC236}">
-                <a16:creationId xmlns:a16="http://schemas.microsoft.com/office/drawing/2014/main" id="{8842578D-9C6B-41E0-8438-41786F985351}"/>
+                <a16:creationId xmlns:a16="http://schemas.microsoft.com/office/drawing/2014/main" id="{2F964A51-7FC3-4CB0-A82B-B9A90B4CADF9}"/>
               </a:ext>
             </a:extLst>
           </p:cNvPr>
@@ -4041,10 +4188,14 @@
           <a:lstStyle/>
           <a:p>
             <a:r>
-              <a:rPr lang="de-CH" dirty="0"/>
-              <a:t>Arbeitsaufteilung</a:t>
-            </a:r>
-            <a:endParaRPr lang="en-CH" dirty="0"/>
+              <a:rPr lang="de-CH" dirty="0">
+                <a:latin typeface="Montserrat Medium" panose="00000600000000000000" pitchFamily="2" charset="0"/>
+              </a:rPr>
+              <a:t>Fragestellung</a:t>
+            </a:r>
+            <a:endParaRPr lang="en-CH" dirty="0">
+              <a:latin typeface="Montserrat Medium" panose="00000600000000000000" pitchFamily="2" charset="0"/>
+            </a:endParaRPr>
           </a:p>
         </p:txBody>
       </p:sp>
@@ -4053,7 +4204,7 @@
           <p:cNvPr id="3" name="Inhaltsplatzhalter 2">
             <a:extLst>
               <a:ext uri="{FF2B5EF4-FFF2-40B4-BE49-F238E27FC236}">
-                <a16:creationId xmlns:a16="http://schemas.microsoft.com/office/drawing/2014/main" id="{4F295EE8-FC66-4709-B090-8C9CFE217F56}"/>
+                <a16:creationId xmlns:a16="http://schemas.microsoft.com/office/drawing/2014/main" id="{075355E1-E3E7-4035-9497-B03C42ADAEAC}"/>
               </a:ext>
             </a:extLst>
           </p:cNvPr>
@@ -4064,44 +4215,37 @@
             <p:ph sz="half" idx="1"/>
           </p:nvPr>
         </p:nvSpPr>
-        <p:spPr/>
-        <p:txBody>
-          <a:bodyPr/>
-          <a:lstStyle/>
-          <a:p>
-            <a:endParaRPr lang="en-CH"/>
-          </a:p>
-        </p:txBody>
-      </p:sp>
-      <p:sp>
-        <p:nvSpPr>
-          <p:cNvPr id="4" name="Inhaltsplatzhalter 3">
-            <a:extLst>
-              <a:ext uri="{FF2B5EF4-FFF2-40B4-BE49-F238E27FC236}">
-                <a16:creationId xmlns:a16="http://schemas.microsoft.com/office/drawing/2014/main" id="{0CD7CDAC-4943-4001-85ED-DF2318DFED8E}"/>
-              </a:ext>
-            </a:extLst>
-          </p:cNvPr>
-          <p:cNvSpPr>
-            <a:spLocks noGrp="1"/>
-          </p:cNvSpPr>
-          <p:nvPr>
-            <p:ph sz="half" idx="2"/>
-          </p:nvPr>
-        </p:nvSpPr>
-        <p:spPr/>
-        <p:txBody>
-          <a:bodyPr/>
-          <a:lstStyle/>
-          <a:p>
-            <a:endParaRPr lang="en-CH"/>
+        <p:spPr>
+          <a:xfrm>
+            <a:off x="581192" y="2228003"/>
+            <a:ext cx="11029615" cy="3633047"/>
+          </a:xfrm>
+        </p:spPr>
+        <p:txBody>
+          <a:bodyPr>
+            <a:normAutofit/>
+          </a:bodyPr>
+          <a:lstStyle/>
+          <a:p>
+            <a:pPr marL="0" indent="0" algn="ctr">
+              <a:buNone/>
+            </a:pPr>
+            <a:r>
+              <a:rPr lang="de-CH" sz="2800" dirty="0">
+                <a:latin typeface="Montserrat Medium" panose="00000600000000000000" pitchFamily="2" charset="0"/>
+              </a:rPr>
+              <a:t>Wie schreibe ich ein System mit welchem ein Benutzer seine eigene Logik verwirklichen kann? </a:t>
+            </a:r>
+            <a:endParaRPr lang="en-CH" sz="2800" dirty="0">
+              <a:latin typeface="Montserrat Medium" panose="00000600000000000000" pitchFamily="2" charset="0"/>
+            </a:endParaRPr>
           </a:p>
         </p:txBody>
       </p:sp>
     </p:spTree>
     <p:extLst>
       <p:ext uri="{BB962C8B-B14F-4D97-AF65-F5344CB8AC3E}">
-        <p14:creationId xmlns:p14="http://schemas.microsoft.com/office/powerpoint/2010/main" val="3928477899"/>
+        <p14:creationId xmlns:p14="http://schemas.microsoft.com/office/powerpoint/2010/main" val="319728332"/>
       </p:ext>
     </p:extLst>
   </p:cSld>
@@ -4133,7 +4277,7 @@
           <p:cNvPr id="2" name="Titel 1">
             <a:extLst>
               <a:ext uri="{FF2B5EF4-FFF2-40B4-BE49-F238E27FC236}">
-                <a16:creationId xmlns:a16="http://schemas.microsoft.com/office/drawing/2014/main" id="{F401717A-1929-4CD1-9257-F48338494378}"/>
+                <a16:creationId xmlns:a16="http://schemas.microsoft.com/office/drawing/2014/main" id="{9DA48ABD-6105-439B-8F6D-EBF7B2BEE644}"/>
               </a:ext>
             </a:extLst>
           </p:cNvPr>
@@ -4150,42 +4294,21 @@
           <a:lstStyle/>
           <a:p>
             <a:r>
-              <a:rPr lang="de-CH"/>
-              <a:t>Szenario</a:t>
-            </a:r>
-            <a:endParaRPr lang="en-CH"/>
-          </a:p>
-        </p:txBody>
-      </p:sp>
-      <p:sp>
-        <p:nvSpPr>
-          <p:cNvPr id="3" name="Inhaltsplatzhalter 2">
-            <a:extLst>
-              <a:ext uri="{FF2B5EF4-FFF2-40B4-BE49-F238E27FC236}">
-                <a16:creationId xmlns:a16="http://schemas.microsoft.com/office/drawing/2014/main" id="{3056E66C-7098-4734-857F-CC1BB64EC52B}"/>
-              </a:ext>
-            </a:extLst>
-          </p:cNvPr>
-          <p:cNvSpPr>
-            <a:spLocks noGrp="1"/>
-          </p:cNvSpPr>
-          <p:nvPr>
-            <p:ph idx="1"/>
-          </p:nvPr>
-        </p:nvSpPr>
-        <p:spPr/>
-        <p:txBody>
-          <a:bodyPr/>
-          <a:lstStyle/>
-          <a:p>
-            <a:endParaRPr lang="en-CH"/>
+              <a:rPr lang="de-CH" dirty="0">
+                <a:latin typeface="Montserrat Medium" panose="00000600000000000000" pitchFamily="2" charset="0"/>
+              </a:rPr>
+              <a:t>Motivation</a:t>
+            </a:r>
+            <a:endParaRPr lang="en-CH" dirty="0">
+              <a:latin typeface="Montserrat Medium" panose="00000600000000000000" pitchFamily="2" charset="0"/>
+            </a:endParaRPr>
           </a:p>
         </p:txBody>
       </p:sp>
     </p:spTree>
     <p:extLst>
       <p:ext uri="{BB962C8B-B14F-4D97-AF65-F5344CB8AC3E}">
-        <p14:creationId xmlns:p14="http://schemas.microsoft.com/office/powerpoint/2010/main" val="1758817780"/>
+        <p14:creationId xmlns:p14="http://schemas.microsoft.com/office/powerpoint/2010/main" val="1050157633"/>
       </p:ext>
     </p:extLst>
   </p:cSld>
@@ -4217,6 +4340,383 @@
           <p:cNvPr id="2" name="Titel 1">
             <a:extLst>
               <a:ext uri="{FF2B5EF4-FFF2-40B4-BE49-F238E27FC236}">
+                <a16:creationId xmlns:a16="http://schemas.microsoft.com/office/drawing/2014/main" id="{8842578D-9C6B-41E0-8438-41786F985351}"/>
+              </a:ext>
+            </a:extLst>
+          </p:cNvPr>
+          <p:cNvSpPr>
+            <a:spLocks noGrp="1"/>
+          </p:cNvSpPr>
+          <p:nvPr>
+            <p:ph type="title"/>
+          </p:nvPr>
+        </p:nvSpPr>
+        <p:spPr/>
+        <p:txBody>
+          <a:bodyPr/>
+          <a:lstStyle/>
+          <a:p>
+            <a:r>
+              <a:rPr lang="de-CH" dirty="0">
+                <a:latin typeface="Montserrat Medium" panose="00000600000000000000" pitchFamily="2" charset="0"/>
+              </a:rPr>
+              <a:t>Arbeitsaufteilung</a:t>
+            </a:r>
+            <a:endParaRPr lang="en-CH" dirty="0">
+              <a:latin typeface="Montserrat Medium" panose="00000600000000000000" pitchFamily="2" charset="0"/>
+            </a:endParaRPr>
+          </a:p>
+        </p:txBody>
+      </p:sp>
+      <p:sp>
+        <p:nvSpPr>
+          <p:cNvPr id="3" name="Inhaltsplatzhalter 2">
+            <a:extLst>
+              <a:ext uri="{FF2B5EF4-FFF2-40B4-BE49-F238E27FC236}">
+                <a16:creationId xmlns:a16="http://schemas.microsoft.com/office/drawing/2014/main" id="{4F295EE8-FC66-4709-B090-8C9CFE217F56}"/>
+              </a:ext>
+            </a:extLst>
+          </p:cNvPr>
+          <p:cNvSpPr>
+            <a:spLocks noGrp="1"/>
+          </p:cNvSpPr>
+          <p:nvPr>
+            <p:ph sz="half" idx="1"/>
+          </p:nvPr>
+        </p:nvSpPr>
+        <p:spPr/>
+        <p:txBody>
+          <a:bodyPr/>
+          <a:lstStyle/>
+          <a:p>
+            <a:endParaRPr lang="en-CH"/>
+          </a:p>
+        </p:txBody>
+      </p:sp>
+      <p:sp>
+        <p:nvSpPr>
+          <p:cNvPr id="4" name="Inhaltsplatzhalter 3">
+            <a:extLst>
+              <a:ext uri="{FF2B5EF4-FFF2-40B4-BE49-F238E27FC236}">
+                <a16:creationId xmlns:a16="http://schemas.microsoft.com/office/drawing/2014/main" id="{0CD7CDAC-4943-4001-85ED-DF2318DFED8E}"/>
+              </a:ext>
+            </a:extLst>
+          </p:cNvPr>
+          <p:cNvSpPr>
+            <a:spLocks noGrp="1"/>
+          </p:cNvSpPr>
+          <p:nvPr>
+            <p:ph sz="half" idx="2"/>
+          </p:nvPr>
+        </p:nvSpPr>
+        <p:spPr/>
+        <p:txBody>
+          <a:bodyPr/>
+          <a:lstStyle/>
+          <a:p>
+            <a:endParaRPr lang="en-CH"/>
+          </a:p>
+        </p:txBody>
+      </p:sp>
+    </p:spTree>
+    <p:extLst>
+      <p:ext uri="{BB962C8B-B14F-4D97-AF65-F5344CB8AC3E}">
+        <p14:creationId xmlns:p14="http://schemas.microsoft.com/office/powerpoint/2010/main" val="3928477899"/>
+      </p:ext>
+    </p:extLst>
+  </p:cSld>
+  <p:clrMapOvr>
+    <a:masterClrMapping/>
+  </p:clrMapOvr>
+</p:sld>
+</file>
+
+<file path=ppt/slides/slide6.xml><?xml version="1.0" encoding="utf-8"?>
+<p:sld xmlns:a="http://schemas.openxmlformats.org/drawingml/2006/main" xmlns:r="http://schemas.openxmlformats.org/officeDocument/2006/relationships" xmlns:p="http://schemas.openxmlformats.org/presentationml/2006/main">
+  <p:cSld>
+    <p:spTree>
+      <p:nvGrpSpPr>
+        <p:cNvPr id="1" name=""/>
+        <p:cNvGrpSpPr/>
+        <p:nvPr/>
+      </p:nvGrpSpPr>
+      <p:grpSpPr>
+        <a:xfrm>
+          <a:off x="0" y="0"/>
+          <a:ext cx="0" cy="0"/>
+          <a:chOff x="0" y="0"/>
+          <a:chExt cx="0" cy="0"/>
+        </a:xfrm>
+      </p:grpSpPr>
+      <p:sp>
+        <p:nvSpPr>
+          <p:cNvPr id="2" name="Titel 1">
+            <a:extLst>
+              <a:ext uri="{FF2B5EF4-FFF2-40B4-BE49-F238E27FC236}">
+                <a16:creationId xmlns:a16="http://schemas.microsoft.com/office/drawing/2014/main" id="{339E767E-4095-4EF0-9069-9BE72E258904}"/>
+              </a:ext>
+            </a:extLst>
+          </p:cNvPr>
+          <p:cNvSpPr>
+            <a:spLocks noGrp="1"/>
+          </p:cNvSpPr>
+          <p:nvPr>
+            <p:ph type="title"/>
+          </p:nvPr>
+        </p:nvSpPr>
+        <p:spPr/>
+        <p:txBody>
+          <a:bodyPr/>
+          <a:lstStyle/>
+          <a:p>
+            <a:r>
+              <a:rPr lang="de-CH" dirty="0">
+                <a:latin typeface="Montserrat Medium" panose="00000600000000000000" pitchFamily="2" charset="0"/>
+              </a:rPr>
+              <a:t>Konkurrenzanalyse</a:t>
+            </a:r>
+            <a:endParaRPr lang="en-CH" dirty="0">
+              <a:latin typeface="Montserrat Medium" panose="00000600000000000000" pitchFamily="2" charset="0"/>
+            </a:endParaRPr>
+          </a:p>
+        </p:txBody>
+      </p:sp>
+      <p:sp>
+        <p:nvSpPr>
+          <p:cNvPr id="3" name="Inhaltsplatzhalter 2">
+            <a:extLst>
+              <a:ext uri="{FF2B5EF4-FFF2-40B4-BE49-F238E27FC236}">
+                <a16:creationId xmlns:a16="http://schemas.microsoft.com/office/drawing/2014/main" id="{357B8A97-8E94-49D3-8E34-E0A5B86FF1C0}"/>
+              </a:ext>
+            </a:extLst>
+          </p:cNvPr>
+          <p:cNvSpPr>
+            <a:spLocks noGrp="1"/>
+          </p:cNvSpPr>
+          <p:nvPr>
+            <p:ph sz="half" idx="1"/>
+          </p:nvPr>
+        </p:nvSpPr>
+        <p:spPr/>
+        <p:txBody>
+          <a:bodyPr/>
+          <a:lstStyle/>
+          <a:p>
+            <a:endParaRPr lang="en-CH" dirty="0"/>
+          </a:p>
+        </p:txBody>
+      </p:sp>
+      <p:sp>
+        <p:nvSpPr>
+          <p:cNvPr id="4" name="Inhaltsplatzhalter 3">
+            <a:extLst>
+              <a:ext uri="{FF2B5EF4-FFF2-40B4-BE49-F238E27FC236}">
+                <a16:creationId xmlns:a16="http://schemas.microsoft.com/office/drawing/2014/main" id="{6E6CF09B-2D74-43C2-A711-617985800C0F}"/>
+              </a:ext>
+            </a:extLst>
+          </p:cNvPr>
+          <p:cNvSpPr>
+            <a:spLocks noGrp="1"/>
+          </p:cNvSpPr>
+          <p:nvPr>
+            <p:ph sz="half" idx="2"/>
+          </p:nvPr>
+        </p:nvSpPr>
+        <p:spPr/>
+        <p:txBody>
+          <a:bodyPr/>
+          <a:lstStyle/>
+          <a:p>
+            <a:endParaRPr lang="en-CH"/>
+          </a:p>
+        </p:txBody>
+      </p:sp>
+    </p:spTree>
+    <p:extLst>
+      <p:ext uri="{BB962C8B-B14F-4D97-AF65-F5344CB8AC3E}">
+        <p14:creationId xmlns:p14="http://schemas.microsoft.com/office/powerpoint/2010/main" val="1471034957"/>
+      </p:ext>
+    </p:extLst>
+  </p:cSld>
+  <p:clrMapOvr>
+    <a:masterClrMapping/>
+  </p:clrMapOvr>
+</p:sld>
+</file>
+
+<file path=ppt/slides/slide7.xml><?xml version="1.0" encoding="utf-8"?>
+<p:sld xmlns:a="http://schemas.openxmlformats.org/drawingml/2006/main" xmlns:r="http://schemas.openxmlformats.org/officeDocument/2006/relationships" xmlns:p="http://schemas.openxmlformats.org/presentationml/2006/main">
+  <p:cSld>
+    <p:spTree>
+      <p:nvGrpSpPr>
+        <p:cNvPr id="1" name=""/>
+        <p:cNvGrpSpPr/>
+        <p:nvPr/>
+      </p:nvGrpSpPr>
+      <p:grpSpPr>
+        <a:xfrm>
+          <a:off x="0" y="0"/>
+          <a:ext cx="0" cy="0"/>
+          <a:chOff x="0" y="0"/>
+          <a:chExt cx="0" cy="0"/>
+        </a:xfrm>
+      </p:grpSpPr>
+      <p:sp>
+        <p:nvSpPr>
+          <p:cNvPr id="2" name="Titel 1">
+            <a:extLst>
+              <a:ext uri="{FF2B5EF4-FFF2-40B4-BE49-F238E27FC236}">
+                <a16:creationId xmlns:a16="http://schemas.microsoft.com/office/drawing/2014/main" id="{72401D3B-F29C-4B84-A47F-461AD79DA770}"/>
+              </a:ext>
+            </a:extLst>
+          </p:cNvPr>
+          <p:cNvSpPr>
+            <a:spLocks noGrp="1"/>
+          </p:cNvSpPr>
+          <p:nvPr>
+            <p:ph type="title"/>
+          </p:nvPr>
+        </p:nvSpPr>
+        <p:spPr/>
+        <p:txBody>
+          <a:bodyPr/>
+          <a:lstStyle/>
+          <a:p>
+            <a:r>
+              <a:rPr lang="de-CH" dirty="0" err="1">
+                <a:latin typeface="Montserrat Medium" panose="00000600000000000000" pitchFamily="2" charset="0"/>
+              </a:rPr>
+              <a:t>Gameloop</a:t>
+            </a:r>
+            <a:endParaRPr lang="en-CH" dirty="0">
+              <a:latin typeface="Montserrat Medium" panose="00000600000000000000" pitchFamily="2" charset="0"/>
+            </a:endParaRPr>
+          </a:p>
+        </p:txBody>
+      </p:sp>
+    </p:spTree>
+    <p:extLst>
+      <p:ext uri="{BB962C8B-B14F-4D97-AF65-F5344CB8AC3E}">
+        <p14:creationId xmlns:p14="http://schemas.microsoft.com/office/powerpoint/2010/main" val="3364142869"/>
+      </p:ext>
+    </p:extLst>
+  </p:cSld>
+  <p:clrMapOvr>
+    <a:masterClrMapping/>
+  </p:clrMapOvr>
+</p:sld>
+</file>
+
+<file path=ppt/slides/slide8.xml><?xml version="1.0" encoding="utf-8"?>
+<p:sld xmlns:a="http://schemas.openxmlformats.org/drawingml/2006/main" xmlns:r="http://schemas.openxmlformats.org/officeDocument/2006/relationships" xmlns:p="http://schemas.openxmlformats.org/presentationml/2006/main">
+  <p:cSld>
+    <p:spTree>
+      <p:nvGrpSpPr>
+        <p:cNvPr id="1" name=""/>
+        <p:cNvGrpSpPr/>
+        <p:nvPr/>
+      </p:nvGrpSpPr>
+      <p:grpSpPr>
+        <a:xfrm>
+          <a:off x="0" y="0"/>
+          <a:ext cx="0" cy="0"/>
+          <a:chOff x="0" y="0"/>
+          <a:chExt cx="0" cy="0"/>
+        </a:xfrm>
+      </p:grpSpPr>
+      <p:sp>
+        <p:nvSpPr>
+          <p:cNvPr id="2" name="Titel 1">
+            <a:extLst>
+              <a:ext uri="{FF2B5EF4-FFF2-40B4-BE49-F238E27FC236}">
+                <a16:creationId xmlns:a16="http://schemas.microsoft.com/office/drawing/2014/main" id="{F401717A-1929-4CD1-9257-F48338494378}"/>
+              </a:ext>
+            </a:extLst>
+          </p:cNvPr>
+          <p:cNvSpPr>
+            <a:spLocks noGrp="1"/>
+          </p:cNvSpPr>
+          <p:nvPr>
+            <p:ph type="title"/>
+          </p:nvPr>
+        </p:nvSpPr>
+        <p:spPr/>
+        <p:txBody>
+          <a:bodyPr/>
+          <a:lstStyle/>
+          <a:p>
+            <a:r>
+              <a:rPr lang="de-CH" dirty="0">
+                <a:latin typeface="Montserrat Medium" panose="00000600000000000000" pitchFamily="2" charset="0"/>
+              </a:rPr>
+              <a:t>Szenario</a:t>
+            </a:r>
+            <a:endParaRPr lang="en-CH" dirty="0">
+              <a:latin typeface="Montserrat Medium" panose="00000600000000000000" pitchFamily="2" charset="0"/>
+            </a:endParaRPr>
+          </a:p>
+        </p:txBody>
+      </p:sp>
+      <p:sp>
+        <p:nvSpPr>
+          <p:cNvPr id="3" name="Inhaltsplatzhalter 2">
+            <a:extLst>
+              <a:ext uri="{FF2B5EF4-FFF2-40B4-BE49-F238E27FC236}">
+                <a16:creationId xmlns:a16="http://schemas.microsoft.com/office/drawing/2014/main" id="{3056E66C-7098-4734-857F-CC1BB64EC52B}"/>
+              </a:ext>
+            </a:extLst>
+          </p:cNvPr>
+          <p:cNvSpPr>
+            <a:spLocks noGrp="1"/>
+          </p:cNvSpPr>
+          <p:nvPr>
+            <p:ph idx="1"/>
+          </p:nvPr>
+        </p:nvSpPr>
+        <p:spPr/>
+        <p:txBody>
+          <a:bodyPr/>
+          <a:lstStyle/>
+          <a:p>
+            <a:endParaRPr lang="en-CH"/>
+          </a:p>
+        </p:txBody>
+      </p:sp>
+    </p:spTree>
+    <p:extLst>
+      <p:ext uri="{BB962C8B-B14F-4D97-AF65-F5344CB8AC3E}">
+        <p14:creationId xmlns:p14="http://schemas.microsoft.com/office/powerpoint/2010/main" val="1758817780"/>
+      </p:ext>
+    </p:extLst>
+  </p:cSld>
+  <p:clrMapOvr>
+    <a:masterClrMapping/>
+  </p:clrMapOvr>
+</p:sld>
+</file>
+
+<file path=ppt/slides/slide9.xml><?xml version="1.0" encoding="utf-8"?>
+<p:sld xmlns:a="http://schemas.openxmlformats.org/drawingml/2006/main" xmlns:r="http://schemas.openxmlformats.org/officeDocument/2006/relationships" xmlns:p="http://schemas.openxmlformats.org/presentationml/2006/main">
+  <p:cSld>
+    <p:spTree>
+      <p:nvGrpSpPr>
+        <p:cNvPr id="1" name=""/>
+        <p:cNvGrpSpPr/>
+        <p:nvPr/>
+      </p:nvGrpSpPr>
+      <p:grpSpPr>
+        <a:xfrm>
+          <a:off x="0" y="0"/>
+          <a:ext cx="0" cy="0"/>
+          <a:chOff x="0" y="0"/>
+          <a:chExt cx="0" cy="0"/>
+        </a:xfrm>
+      </p:grpSpPr>
+      <p:sp>
+        <p:nvSpPr>
+          <p:cNvPr id="2" name="Titel 1">
+            <a:extLst>
+              <a:ext uri="{FF2B5EF4-FFF2-40B4-BE49-F238E27FC236}">
                 <a16:creationId xmlns:a16="http://schemas.microsoft.com/office/drawing/2014/main" id="{D8D07432-82B5-4200-B1E5-02FC812A67DB}"/>
               </a:ext>
             </a:extLst>
@@ -4234,10 +4734,14 @@
           <a:lstStyle/>
           <a:p>
             <a:r>
-              <a:rPr lang="de-CH" dirty="0"/>
+              <a:rPr lang="de-CH" dirty="0">
+                <a:latin typeface="Montserrat Medium" panose="00000600000000000000" pitchFamily="2" charset="0"/>
+              </a:rPr>
               <a:t>UI SHOW</a:t>
             </a:r>
-            <a:endParaRPr lang="en-CH" dirty="0"/>
+            <a:endParaRPr lang="en-CH" dirty="0">
+              <a:latin typeface="Montserrat Medium" panose="00000600000000000000" pitchFamily="2" charset="0"/>
+            </a:endParaRPr>
           </a:p>
         </p:txBody>
       </p:sp>

--- a/Pitch/PitchPräsi.pptx
+++ b/Pitch/PitchPräsi.pptx
@@ -3859,13 +3859,13 @@
             <a:r>
               <a:rPr lang="de-CH" dirty="0">
                 <a:latin typeface="Death Hector" panose="00000400000000000000" pitchFamily="2" charset="0"/>
-                <a:ea typeface="Noto Sans SC Black" panose="020B0A00000000000000" pitchFamily="34" charset="-128"/>
+                <a:ea typeface="Okashi^" panose="02000603000000000000" pitchFamily="2" charset="-128"/>
               </a:rPr>
               <a:t>Insert Name Game </a:t>
             </a:r>
             <a:endParaRPr lang="en-CH" dirty="0">
               <a:latin typeface="Death Hector" panose="00000400000000000000" pitchFamily="2" charset="0"/>
-              <a:ea typeface="Noto Sans SC Black" panose="020B0A00000000000000" pitchFamily="34" charset="-128"/>
+              <a:ea typeface="Okashi^" panose="02000603000000000000" pitchFamily="2" charset="-128"/>
             </a:endParaRPr>
           </a:p>
         </p:txBody>

--- a/Pitch/PitchPräsi.pptx
+++ b/Pitch/PitchPräsi.pptx
@@ -9,13 +9,19 @@
     <p:sldId id="257" r:id="rId3"/>
     <p:sldId id="264" r:id="rId4"/>
     <p:sldId id="263" r:id="rId5"/>
-    <p:sldId id="258" r:id="rId6"/>
-    <p:sldId id="265" r:id="rId7"/>
-    <p:sldId id="262" r:id="rId8"/>
-    <p:sldId id="259" r:id="rId9"/>
-    <p:sldId id="260" r:id="rId10"/>
+    <p:sldId id="262" r:id="rId6"/>
+    <p:sldId id="259" r:id="rId7"/>
+    <p:sldId id="260" r:id="rId8"/>
+    <p:sldId id="267" r:id="rId9"/>
+    <p:sldId id="268" r:id="rId10"/>
     <p:sldId id="261" r:id="rId11"/>
-    <p:sldId id="266" r:id="rId12"/>
+    <p:sldId id="258" r:id="rId12"/>
+    <p:sldId id="272" r:id="rId13"/>
+    <p:sldId id="265" r:id="rId14"/>
+    <p:sldId id="269" r:id="rId15"/>
+    <p:sldId id="270" r:id="rId16"/>
+    <p:sldId id="266" r:id="rId17"/>
+    <p:sldId id="271" r:id="rId18"/>
   </p:sldIdLst>
   <p:sldSz cx="12192000" cy="6858000"/>
   <p:notesSz cx="6858000" cy="9144000"/>
@@ -368,7 +374,7 @@
             <a:fld id="{B61BEF0D-F0BB-DE4B-95CE-6DB70DBA9567}" type="datetimeFigureOut">
               <a:rPr lang="en-US" dirty="0"/>
               <a:pPr/>
-              <a:t>12/4/2018</a:t>
+              <a:t>12/5/2018</a:t>
             </a:fld>
             <a:endParaRPr lang="en-US" dirty="0"/>
           </a:p>
@@ -627,7 +633,7 @@
             <a:fld id="{B61BEF0D-F0BB-DE4B-95CE-6DB70DBA9567}" type="datetimeFigureOut">
               <a:rPr lang="en-US" dirty="0"/>
               <a:pPr/>
-              <a:t>12/4/2018</a:t>
+              <a:t>12/5/2018</a:t>
             </a:fld>
             <a:endParaRPr lang="en-US" dirty="0"/>
           </a:p>
@@ -859,7 +865,7 @@
             <a:fld id="{B61BEF0D-F0BB-DE4B-95CE-6DB70DBA9567}" type="datetimeFigureOut">
               <a:rPr lang="en-US" dirty="0"/>
               <a:pPr/>
-              <a:t>12/4/2018</a:t>
+              <a:t>12/5/2018</a:t>
             </a:fld>
             <a:endParaRPr lang="en-US" dirty="0"/>
           </a:p>
@@ -1096,7 +1102,7 @@
             <a:fld id="{B61BEF0D-F0BB-DE4B-95CE-6DB70DBA9567}" type="datetimeFigureOut">
               <a:rPr lang="en-US" dirty="0"/>
               <a:pPr/>
-              <a:t>12/4/2018</a:t>
+              <a:t>12/5/2018</a:t>
             </a:fld>
             <a:endParaRPr lang="en-US" dirty="0"/>
           </a:p>
@@ -1400,7 +1406,7 @@
             <a:fld id="{B61BEF0D-F0BB-DE4B-95CE-6DB70DBA9567}" type="datetimeFigureOut">
               <a:rPr lang="en-US" dirty="0"/>
               <a:pPr/>
-              <a:t>12/4/2018</a:t>
+              <a:t>12/5/2018</a:t>
             </a:fld>
             <a:endParaRPr lang="en-US" dirty="0"/>
           </a:p>
@@ -1699,7 +1705,7 @@
             <a:fld id="{B61BEF0D-F0BB-DE4B-95CE-6DB70DBA9567}" type="datetimeFigureOut">
               <a:rPr lang="en-US" dirty="0"/>
               <a:pPr/>
-              <a:t>12/4/2018</a:t>
+              <a:t>12/5/2018</a:t>
             </a:fld>
             <a:endParaRPr lang="en-US" dirty="0"/>
           </a:p>
@@ -2118,7 +2124,7 @@
             <a:fld id="{B61BEF0D-F0BB-DE4B-95CE-6DB70DBA9567}" type="datetimeFigureOut">
               <a:rPr lang="en-US" dirty="0"/>
               <a:pPr/>
-              <a:t>12/4/2018</a:t>
+              <a:t>12/5/2018</a:t>
             </a:fld>
             <a:endParaRPr lang="en-US" dirty="0"/>
           </a:p>
@@ -2277,7 +2283,7 @@
             <a:fld id="{B61BEF0D-F0BB-DE4B-95CE-6DB70DBA9567}" type="datetimeFigureOut">
               <a:rPr lang="en-US" dirty="0"/>
               <a:pPr/>
-              <a:t>12/4/2018</a:t>
+              <a:t>12/5/2018</a:t>
             </a:fld>
             <a:endParaRPr lang="en-US" dirty="0"/>
           </a:p>
@@ -2369,7 +2375,7 @@
             <a:fld id="{B61BEF0D-F0BB-DE4B-95CE-6DB70DBA9567}" type="datetimeFigureOut">
               <a:rPr lang="en-US" dirty="0"/>
               <a:pPr/>
-              <a:t>12/4/2018</a:t>
+              <a:t>12/5/2018</a:t>
             </a:fld>
             <a:endParaRPr lang="en-US" dirty="0"/>
           </a:p>
@@ -2744,7 +2750,7 @@
             <a:fld id="{B61BEF0D-F0BB-DE4B-95CE-6DB70DBA9567}" type="datetimeFigureOut">
               <a:rPr lang="en-US" dirty="0"/>
               <a:pPr/>
-              <a:t>12/4/2018</a:t>
+              <a:t>12/5/2018</a:t>
             </a:fld>
             <a:endParaRPr lang="en-US" dirty="0"/>
           </a:p>
@@ -3030,7 +3036,7 @@
             <a:fld id="{B61BEF0D-F0BB-DE4B-95CE-6DB70DBA9567}" type="datetimeFigureOut">
               <a:rPr lang="en-US" dirty="0"/>
               <a:pPr/>
-              <a:t>12/4/2018</a:t>
+              <a:t>12/5/2018</a:t>
             </a:fld>
             <a:endParaRPr lang="en-US" dirty="0"/>
           </a:p>
@@ -3238,7 +3244,7 @@
             <a:fld id="{B61BEF0D-F0BB-DE4B-95CE-6DB70DBA9567}" type="datetimeFigureOut">
               <a:rPr lang="en-US" dirty="0"/>
               <a:pPr/>
-              <a:t>12/4/2018</a:t>
+              <a:t>12/5/2018</a:t>
             </a:fld>
             <a:endParaRPr lang="en-US" dirty="0"/>
           </a:p>
@@ -4014,6 +4020,509 @@
           <p:cNvPr id="2" name="Titel 1">
             <a:extLst>
               <a:ext uri="{FF2B5EF4-FFF2-40B4-BE49-F238E27FC236}">
+                <a16:creationId xmlns:a16="http://schemas.microsoft.com/office/drawing/2014/main" id="{8842578D-9C6B-41E0-8438-41786F985351}"/>
+              </a:ext>
+            </a:extLst>
+          </p:cNvPr>
+          <p:cNvSpPr>
+            <a:spLocks noGrp="1"/>
+          </p:cNvSpPr>
+          <p:nvPr>
+            <p:ph type="title"/>
+          </p:nvPr>
+        </p:nvSpPr>
+        <p:spPr/>
+        <p:txBody>
+          <a:bodyPr/>
+          <a:lstStyle/>
+          <a:p>
+            <a:r>
+              <a:rPr lang="de-CH" dirty="0">
+                <a:latin typeface="Montserrat Medium" panose="00000600000000000000" pitchFamily="2" charset="0"/>
+              </a:rPr>
+              <a:t>Arbeitsaufteilung</a:t>
+            </a:r>
+            <a:endParaRPr lang="en-CH" dirty="0">
+              <a:latin typeface="Montserrat Medium" panose="00000600000000000000" pitchFamily="2" charset="0"/>
+            </a:endParaRPr>
+          </a:p>
+        </p:txBody>
+      </p:sp>
+      <p:sp>
+        <p:nvSpPr>
+          <p:cNvPr id="3" name="Inhaltsplatzhalter 2">
+            <a:extLst>
+              <a:ext uri="{FF2B5EF4-FFF2-40B4-BE49-F238E27FC236}">
+                <a16:creationId xmlns:a16="http://schemas.microsoft.com/office/drawing/2014/main" id="{4F295EE8-FC66-4709-B090-8C9CFE217F56}"/>
+              </a:ext>
+            </a:extLst>
+          </p:cNvPr>
+          <p:cNvSpPr>
+            <a:spLocks noGrp="1"/>
+          </p:cNvSpPr>
+          <p:nvPr>
+            <p:ph sz="half" idx="1"/>
+          </p:nvPr>
+        </p:nvSpPr>
+        <p:spPr/>
+        <p:txBody>
+          <a:bodyPr/>
+          <a:lstStyle/>
+          <a:p>
+            <a:endParaRPr lang="en-CH"/>
+          </a:p>
+        </p:txBody>
+      </p:sp>
+      <p:sp>
+        <p:nvSpPr>
+          <p:cNvPr id="4" name="Inhaltsplatzhalter 3">
+            <a:extLst>
+              <a:ext uri="{FF2B5EF4-FFF2-40B4-BE49-F238E27FC236}">
+                <a16:creationId xmlns:a16="http://schemas.microsoft.com/office/drawing/2014/main" id="{0CD7CDAC-4943-4001-85ED-DF2318DFED8E}"/>
+              </a:ext>
+            </a:extLst>
+          </p:cNvPr>
+          <p:cNvSpPr>
+            <a:spLocks noGrp="1"/>
+          </p:cNvSpPr>
+          <p:nvPr>
+            <p:ph sz="half" idx="2"/>
+          </p:nvPr>
+        </p:nvSpPr>
+        <p:spPr/>
+        <p:txBody>
+          <a:bodyPr/>
+          <a:lstStyle/>
+          <a:p>
+            <a:endParaRPr lang="en-CH"/>
+          </a:p>
+        </p:txBody>
+      </p:sp>
+    </p:spTree>
+    <p:extLst>
+      <p:ext uri="{BB962C8B-B14F-4D97-AF65-F5344CB8AC3E}">
+        <p14:creationId xmlns:p14="http://schemas.microsoft.com/office/powerpoint/2010/main" val="3928477899"/>
+      </p:ext>
+    </p:extLst>
+  </p:cSld>
+  <p:clrMapOvr>
+    <a:masterClrMapping/>
+  </p:clrMapOvr>
+</p:sld>
+</file>
+
+<file path=ppt/slides/slide12.xml><?xml version="1.0" encoding="utf-8"?>
+<p:sld xmlns:a="http://schemas.openxmlformats.org/drawingml/2006/main" xmlns:r="http://schemas.openxmlformats.org/officeDocument/2006/relationships" xmlns:p="http://schemas.openxmlformats.org/presentationml/2006/main">
+  <p:cSld>
+    <p:spTree>
+      <p:nvGrpSpPr>
+        <p:cNvPr id="1" name=""/>
+        <p:cNvGrpSpPr/>
+        <p:nvPr/>
+      </p:nvGrpSpPr>
+      <p:grpSpPr>
+        <a:xfrm>
+          <a:off x="0" y="0"/>
+          <a:ext cx="0" cy="0"/>
+          <a:chOff x="0" y="0"/>
+          <a:chExt cx="0" cy="0"/>
+        </a:xfrm>
+      </p:grpSpPr>
+      <p:sp>
+        <p:nvSpPr>
+          <p:cNvPr id="2" name="Titel 1">
+            <a:extLst>
+              <a:ext uri="{FF2B5EF4-FFF2-40B4-BE49-F238E27FC236}">
+                <a16:creationId xmlns:a16="http://schemas.microsoft.com/office/drawing/2014/main" id="{078ACBFA-07D4-443D-9E59-4B333DECCBB0}"/>
+              </a:ext>
+            </a:extLst>
+          </p:cNvPr>
+          <p:cNvSpPr>
+            <a:spLocks noGrp="1"/>
+          </p:cNvSpPr>
+          <p:nvPr>
+            <p:ph type="title"/>
+          </p:nvPr>
+        </p:nvSpPr>
+        <p:spPr/>
+        <p:txBody>
+          <a:bodyPr/>
+          <a:lstStyle/>
+          <a:p>
+            <a:r>
+              <a:rPr lang="de-CH" dirty="0" err="1"/>
+              <a:t>HErausforderungen</a:t>
+            </a:r>
+            <a:endParaRPr lang="en-CH" dirty="0"/>
+          </a:p>
+        </p:txBody>
+      </p:sp>
+      <p:sp>
+        <p:nvSpPr>
+          <p:cNvPr id="3" name="Inhaltsplatzhalter 2">
+            <a:extLst>
+              <a:ext uri="{FF2B5EF4-FFF2-40B4-BE49-F238E27FC236}">
+                <a16:creationId xmlns:a16="http://schemas.microsoft.com/office/drawing/2014/main" id="{2D369A36-0670-4789-B427-C35DE5F9F4FF}"/>
+              </a:ext>
+            </a:extLst>
+          </p:cNvPr>
+          <p:cNvSpPr>
+            <a:spLocks noGrp="1"/>
+          </p:cNvSpPr>
+          <p:nvPr>
+            <p:ph sz="half" idx="1"/>
+          </p:nvPr>
+        </p:nvSpPr>
+        <p:spPr/>
+        <p:txBody>
+          <a:bodyPr/>
+          <a:lstStyle/>
+          <a:p>
+            <a:endParaRPr lang="en-CH"/>
+          </a:p>
+        </p:txBody>
+      </p:sp>
+      <p:sp>
+        <p:nvSpPr>
+          <p:cNvPr id="4" name="Inhaltsplatzhalter 3">
+            <a:extLst>
+              <a:ext uri="{FF2B5EF4-FFF2-40B4-BE49-F238E27FC236}">
+                <a16:creationId xmlns:a16="http://schemas.microsoft.com/office/drawing/2014/main" id="{B946AF5B-7BC8-4CD8-AEF5-551D65509009}"/>
+              </a:ext>
+            </a:extLst>
+          </p:cNvPr>
+          <p:cNvSpPr>
+            <a:spLocks noGrp="1"/>
+          </p:cNvSpPr>
+          <p:nvPr>
+            <p:ph sz="half" idx="2"/>
+          </p:nvPr>
+        </p:nvSpPr>
+        <p:spPr/>
+        <p:txBody>
+          <a:bodyPr/>
+          <a:lstStyle/>
+          <a:p>
+            <a:endParaRPr lang="en-CH"/>
+          </a:p>
+        </p:txBody>
+      </p:sp>
+    </p:spTree>
+    <p:extLst>
+      <p:ext uri="{BB962C8B-B14F-4D97-AF65-F5344CB8AC3E}">
+        <p14:creationId xmlns:p14="http://schemas.microsoft.com/office/powerpoint/2010/main" val="2978853290"/>
+      </p:ext>
+    </p:extLst>
+  </p:cSld>
+  <p:clrMapOvr>
+    <a:masterClrMapping/>
+  </p:clrMapOvr>
+</p:sld>
+</file>
+
+<file path=ppt/slides/slide13.xml><?xml version="1.0" encoding="utf-8"?>
+<p:sld xmlns:a="http://schemas.openxmlformats.org/drawingml/2006/main" xmlns:r="http://schemas.openxmlformats.org/officeDocument/2006/relationships" xmlns:p="http://schemas.openxmlformats.org/presentationml/2006/main">
+  <p:cSld>
+    <p:spTree>
+      <p:nvGrpSpPr>
+        <p:cNvPr id="1" name=""/>
+        <p:cNvGrpSpPr/>
+        <p:nvPr/>
+      </p:nvGrpSpPr>
+      <p:grpSpPr>
+        <a:xfrm>
+          <a:off x="0" y="0"/>
+          <a:ext cx="0" cy="0"/>
+          <a:chOff x="0" y="0"/>
+          <a:chExt cx="0" cy="0"/>
+        </a:xfrm>
+      </p:grpSpPr>
+      <p:sp>
+        <p:nvSpPr>
+          <p:cNvPr id="2" name="Titel 1">
+            <a:extLst>
+              <a:ext uri="{FF2B5EF4-FFF2-40B4-BE49-F238E27FC236}">
+                <a16:creationId xmlns:a16="http://schemas.microsoft.com/office/drawing/2014/main" id="{339E767E-4095-4EF0-9069-9BE72E258904}"/>
+              </a:ext>
+            </a:extLst>
+          </p:cNvPr>
+          <p:cNvSpPr>
+            <a:spLocks noGrp="1"/>
+          </p:cNvSpPr>
+          <p:nvPr>
+            <p:ph type="title"/>
+          </p:nvPr>
+        </p:nvSpPr>
+        <p:spPr/>
+        <p:txBody>
+          <a:bodyPr/>
+          <a:lstStyle/>
+          <a:p>
+            <a:r>
+              <a:rPr lang="de-CH" dirty="0">
+                <a:latin typeface="Montserrat Medium" panose="00000600000000000000" pitchFamily="2" charset="0"/>
+              </a:rPr>
+              <a:t>Konkurrenzanalyse</a:t>
+            </a:r>
+            <a:endParaRPr lang="en-CH" dirty="0">
+              <a:latin typeface="Montserrat Medium" panose="00000600000000000000" pitchFamily="2" charset="0"/>
+            </a:endParaRPr>
+          </a:p>
+        </p:txBody>
+      </p:sp>
+      <p:sp>
+        <p:nvSpPr>
+          <p:cNvPr id="3" name="Inhaltsplatzhalter 2">
+            <a:extLst>
+              <a:ext uri="{FF2B5EF4-FFF2-40B4-BE49-F238E27FC236}">
+                <a16:creationId xmlns:a16="http://schemas.microsoft.com/office/drawing/2014/main" id="{357B8A97-8E94-49D3-8E34-E0A5B86FF1C0}"/>
+              </a:ext>
+            </a:extLst>
+          </p:cNvPr>
+          <p:cNvSpPr>
+            <a:spLocks noGrp="1"/>
+          </p:cNvSpPr>
+          <p:nvPr>
+            <p:ph sz="half" idx="1"/>
+          </p:nvPr>
+        </p:nvSpPr>
+        <p:spPr/>
+        <p:txBody>
+          <a:bodyPr/>
+          <a:lstStyle/>
+          <a:p>
+            <a:endParaRPr lang="en-CH" dirty="0"/>
+          </a:p>
+        </p:txBody>
+      </p:sp>
+      <p:sp>
+        <p:nvSpPr>
+          <p:cNvPr id="4" name="Inhaltsplatzhalter 3">
+            <a:extLst>
+              <a:ext uri="{FF2B5EF4-FFF2-40B4-BE49-F238E27FC236}">
+                <a16:creationId xmlns:a16="http://schemas.microsoft.com/office/drawing/2014/main" id="{6E6CF09B-2D74-43C2-A711-617985800C0F}"/>
+              </a:ext>
+            </a:extLst>
+          </p:cNvPr>
+          <p:cNvSpPr>
+            <a:spLocks noGrp="1"/>
+          </p:cNvSpPr>
+          <p:nvPr>
+            <p:ph sz="half" idx="2"/>
+          </p:nvPr>
+        </p:nvSpPr>
+        <p:spPr/>
+        <p:txBody>
+          <a:bodyPr/>
+          <a:lstStyle/>
+          <a:p>
+            <a:endParaRPr lang="en-CH"/>
+          </a:p>
+        </p:txBody>
+      </p:sp>
+    </p:spTree>
+    <p:extLst>
+      <p:ext uri="{BB962C8B-B14F-4D97-AF65-F5344CB8AC3E}">
+        <p14:creationId xmlns:p14="http://schemas.microsoft.com/office/powerpoint/2010/main" val="1471034957"/>
+      </p:ext>
+    </p:extLst>
+  </p:cSld>
+  <p:clrMapOvr>
+    <a:masterClrMapping/>
+  </p:clrMapOvr>
+</p:sld>
+</file>
+
+<file path=ppt/slides/slide14.xml><?xml version="1.0" encoding="utf-8"?>
+<p:sld xmlns:a="http://schemas.openxmlformats.org/drawingml/2006/main" xmlns:r="http://schemas.openxmlformats.org/officeDocument/2006/relationships" xmlns:p="http://schemas.openxmlformats.org/presentationml/2006/main">
+  <p:cSld>
+    <p:spTree>
+      <p:nvGrpSpPr>
+        <p:cNvPr id="1" name=""/>
+        <p:cNvGrpSpPr/>
+        <p:nvPr/>
+      </p:nvGrpSpPr>
+      <p:grpSpPr>
+        <a:xfrm>
+          <a:off x="0" y="0"/>
+          <a:ext cx="0" cy="0"/>
+          <a:chOff x="0" y="0"/>
+          <a:chExt cx="0" cy="0"/>
+        </a:xfrm>
+      </p:grpSpPr>
+      <p:sp>
+        <p:nvSpPr>
+          <p:cNvPr id="2" name="Titel 1">
+            <a:extLst>
+              <a:ext uri="{FF2B5EF4-FFF2-40B4-BE49-F238E27FC236}">
+                <a16:creationId xmlns:a16="http://schemas.microsoft.com/office/drawing/2014/main" id="{FF3A58D6-C140-4F85-9C73-43769231F465}"/>
+              </a:ext>
+            </a:extLst>
+          </p:cNvPr>
+          <p:cNvSpPr>
+            <a:spLocks noGrp="1"/>
+          </p:cNvSpPr>
+          <p:nvPr>
+            <p:ph type="title"/>
+          </p:nvPr>
+        </p:nvSpPr>
+        <p:spPr/>
+        <p:txBody>
+          <a:bodyPr/>
+          <a:lstStyle/>
+          <a:p>
+            <a:r>
+              <a:rPr lang="de-CH" dirty="0"/>
+              <a:t>Zeitplan</a:t>
+            </a:r>
+            <a:endParaRPr lang="en-CH" dirty="0"/>
+          </a:p>
+        </p:txBody>
+      </p:sp>
+    </p:spTree>
+    <p:extLst>
+      <p:ext uri="{BB962C8B-B14F-4D97-AF65-F5344CB8AC3E}">
+        <p14:creationId xmlns:p14="http://schemas.microsoft.com/office/powerpoint/2010/main" val="651984605"/>
+      </p:ext>
+    </p:extLst>
+  </p:cSld>
+  <p:clrMapOvr>
+    <a:masterClrMapping/>
+  </p:clrMapOvr>
+</p:sld>
+</file>
+
+<file path=ppt/slides/slide15.xml><?xml version="1.0" encoding="utf-8"?>
+<p:sld xmlns:a="http://schemas.openxmlformats.org/drawingml/2006/main" xmlns:r="http://schemas.openxmlformats.org/officeDocument/2006/relationships" xmlns:p="http://schemas.openxmlformats.org/presentationml/2006/main">
+  <p:cSld>
+    <p:spTree>
+      <p:nvGrpSpPr>
+        <p:cNvPr id="1" name=""/>
+        <p:cNvGrpSpPr/>
+        <p:nvPr/>
+      </p:nvGrpSpPr>
+      <p:grpSpPr>
+        <a:xfrm>
+          <a:off x="0" y="0"/>
+          <a:ext cx="0" cy="0"/>
+          <a:chOff x="0" y="0"/>
+          <a:chExt cx="0" cy="0"/>
+        </a:xfrm>
+      </p:grpSpPr>
+      <p:sp>
+        <p:nvSpPr>
+          <p:cNvPr id="2" name="Titel 1">
+            <a:extLst>
+              <a:ext uri="{FF2B5EF4-FFF2-40B4-BE49-F238E27FC236}">
+                <a16:creationId xmlns:a16="http://schemas.microsoft.com/office/drawing/2014/main" id="{4AFE639D-2882-47CC-8D68-8B2298023034}"/>
+              </a:ext>
+            </a:extLst>
+          </p:cNvPr>
+          <p:cNvSpPr>
+            <a:spLocks noGrp="1"/>
+          </p:cNvSpPr>
+          <p:nvPr>
+            <p:ph type="title"/>
+          </p:nvPr>
+        </p:nvSpPr>
+        <p:spPr/>
+        <p:txBody>
+          <a:bodyPr/>
+          <a:lstStyle/>
+          <a:p>
+            <a:r>
+              <a:rPr lang="de-CH" dirty="0"/>
+              <a:t>Ressourcen</a:t>
+            </a:r>
+            <a:endParaRPr lang="en-CH" dirty="0"/>
+          </a:p>
+        </p:txBody>
+      </p:sp>
+      <p:sp>
+        <p:nvSpPr>
+          <p:cNvPr id="3" name="Inhaltsplatzhalter 2">
+            <a:extLst>
+              <a:ext uri="{FF2B5EF4-FFF2-40B4-BE49-F238E27FC236}">
+                <a16:creationId xmlns:a16="http://schemas.microsoft.com/office/drawing/2014/main" id="{560A5E80-34F0-4570-924D-1B6369C287E7}"/>
+              </a:ext>
+            </a:extLst>
+          </p:cNvPr>
+          <p:cNvSpPr>
+            <a:spLocks noGrp="1"/>
+          </p:cNvSpPr>
+          <p:nvPr>
+            <p:ph sz="half" idx="1"/>
+          </p:nvPr>
+        </p:nvSpPr>
+        <p:spPr/>
+        <p:txBody>
+          <a:bodyPr/>
+          <a:lstStyle/>
+          <a:p>
+            <a:endParaRPr lang="en-CH"/>
+          </a:p>
+        </p:txBody>
+      </p:sp>
+      <p:sp>
+        <p:nvSpPr>
+          <p:cNvPr id="4" name="Inhaltsplatzhalter 3">
+            <a:extLst>
+              <a:ext uri="{FF2B5EF4-FFF2-40B4-BE49-F238E27FC236}">
+                <a16:creationId xmlns:a16="http://schemas.microsoft.com/office/drawing/2014/main" id="{12F561C5-9CD4-4A91-9389-72EEA6233700}"/>
+              </a:ext>
+            </a:extLst>
+          </p:cNvPr>
+          <p:cNvSpPr>
+            <a:spLocks noGrp="1"/>
+          </p:cNvSpPr>
+          <p:nvPr>
+            <p:ph sz="half" idx="2"/>
+          </p:nvPr>
+        </p:nvSpPr>
+        <p:spPr/>
+        <p:txBody>
+          <a:bodyPr/>
+          <a:lstStyle/>
+          <a:p>
+            <a:endParaRPr lang="en-CH"/>
+          </a:p>
+        </p:txBody>
+      </p:sp>
+    </p:spTree>
+    <p:extLst>
+      <p:ext uri="{BB962C8B-B14F-4D97-AF65-F5344CB8AC3E}">
+        <p14:creationId xmlns:p14="http://schemas.microsoft.com/office/powerpoint/2010/main" val="196573579"/>
+      </p:ext>
+    </p:extLst>
+  </p:cSld>
+  <p:clrMapOvr>
+    <a:masterClrMapping/>
+  </p:clrMapOvr>
+</p:sld>
+</file>
+
+<file path=ppt/slides/slide16.xml><?xml version="1.0" encoding="utf-8"?>
+<p:sld xmlns:a="http://schemas.openxmlformats.org/drawingml/2006/main" xmlns:r="http://schemas.openxmlformats.org/officeDocument/2006/relationships" xmlns:p="http://schemas.openxmlformats.org/presentationml/2006/main">
+  <p:cSld>
+    <p:spTree>
+      <p:nvGrpSpPr>
+        <p:cNvPr id="1" name=""/>
+        <p:cNvGrpSpPr/>
+        <p:nvPr/>
+      </p:nvGrpSpPr>
+      <p:grpSpPr>
+        <a:xfrm>
+          <a:off x="0" y="0"/>
+          <a:ext cx="0" cy="0"/>
+          <a:chOff x="0" y="0"/>
+          <a:chExt cx="0" cy="0"/>
+        </a:xfrm>
+      </p:grpSpPr>
+      <p:sp>
+        <p:nvSpPr>
+          <p:cNvPr id="2" name="Titel 1">
+            <a:extLst>
+              <a:ext uri="{FF2B5EF4-FFF2-40B4-BE49-F238E27FC236}">
                 <a16:creationId xmlns:a16="http://schemas.microsoft.com/office/drawing/2014/main" id="{8222F32B-3325-4BCB-85D2-500F90068F18}"/>
               </a:ext>
             </a:extLst>
@@ -4052,6 +4561,115 @@
     <p:extLst>
       <p:ext uri="{BB962C8B-B14F-4D97-AF65-F5344CB8AC3E}">
         <p14:creationId xmlns:p14="http://schemas.microsoft.com/office/powerpoint/2010/main" val="1655406607"/>
+      </p:ext>
+    </p:extLst>
+  </p:cSld>
+  <p:clrMapOvr>
+    <a:masterClrMapping/>
+  </p:clrMapOvr>
+</p:sld>
+</file>
+
+<file path=ppt/slides/slide17.xml><?xml version="1.0" encoding="utf-8"?>
+<p:sld xmlns:a="http://schemas.openxmlformats.org/drawingml/2006/main" xmlns:r="http://schemas.openxmlformats.org/officeDocument/2006/relationships" xmlns:p="http://schemas.openxmlformats.org/presentationml/2006/main">
+  <p:cSld>
+    <p:spTree>
+      <p:nvGrpSpPr>
+        <p:cNvPr id="1" name=""/>
+        <p:cNvGrpSpPr/>
+        <p:nvPr/>
+      </p:nvGrpSpPr>
+      <p:grpSpPr>
+        <a:xfrm>
+          <a:off x="0" y="0"/>
+          <a:ext cx="0" cy="0"/>
+          <a:chOff x="0" y="0"/>
+          <a:chExt cx="0" cy="0"/>
+        </a:xfrm>
+      </p:grpSpPr>
+      <p:sp>
+        <p:nvSpPr>
+          <p:cNvPr id="2" name="Titel 1">
+            <a:extLst>
+              <a:ext uri="{FF2B5EF4-FFF2-40B4-BE49-F238E27FC236}">
+                <a16:creationId xmlns:a16="http://schemas.microsoft.com/office/drawing/2014/main" id="{67AEF5E1-BB69-4B96-875C-F8390639796E}"/>
+              </a:ext>
+            </a:extLst>
+          </p:cNvPr>
+          <p:cNvSpPr>
+            <a:spLocks noGrp="1"/>
+          </p:cNvSpPr>
+          <p:nvPr>
+            <p:ph type="title"/>
+          </p:nvPr>
+        </p:nvSpPr>
+        <p:spPr/>
+        <p:txBody>
+          <a:bodyPr/>
+          <a:lstStyle/>
+          <a:p>
+            <a:r>
+              <a:rPr lang="de-CH" dirty="0"/>
+              <a:t>Abstract</a:t>
+            </a:r>
+            <a:endParaRPr lang="en-CH" dirty="0"/>
+          </a:p>
+        </p:txBody>
+      </p:sp>
+      <p:sp>
+        <p:nvSpPr>
+          <p:cNvPr id="3" name="Inhaltsplatzhalter 2">
+            <a:extLst>
+              <a:ext uri="{FF2B5EF4-FFF2-40B4-BE49-F238E27FC236}">
+                <a16:creationId xmlns:a16="http://schemas.microsoft.com/office/drawing/2014/main" id="{C2A6412D-DE2F-4D8C-8D76-19084B12C7E7}"/>
+              </a:ext>
+            </a:extLst>
+          </p:cNvPr>
+          <p:cNvSpPr>
+            <a:spLocks noGrp="1"/>
+          </p:cNvSpPr>
+          <p:nvPr>
+            <p:ph sz="half" idx="1"/>
+          </p:nvPr>
+        </p:nvSpPr>
+        <p:spPr/>
+        <p:txBody>
+          <a:bodyPr/>
+          <a:lstStyle/>
+          <a:p>
+            <a:endParaRPr lang="en-CH"/>
+          </a:p>
+        </p:txBody>
+      </p:sp>
+      <p:sp>
+        <p:nvSpPr>
+          <p:cNvPr id="4" name="Inhaltsplatzhalter 3">
+            <a:extLst>
+              <a:ext uri="{FF2B5EF4-FFF2-40B4-BE49-F238E27FC236}">
+                <a16:creationId xmlns:a16="http://schemas.microsoft.com/office/drawing/2014/main" id="{23B00C3E-CDB3-4EE6-9246-4F208F40FC10}"/>
+              </a:ext>
+            </a:extLst>
+          </p:cNvPr>
+          <p:cNvSpPr>
+            <a:spLocks noGrp="1"/>
+          </p:cNvSpPr>
+          <p:nvPr>
+            <p:ph sz="half" idx="2"/>
+          </p:nvPr>
+        </p:nvSpPr>
+        <p:spPr/>
+        <p:txBody>
+          <a:bodyPr/>
+          <a:lstStyle/>
+          <a:p>
+            <a:endParaRPr lang="en-CH"/>
+          </a:p>
+        </p:txBody>
+      </p:sp>
+    </p:spTree>
+    <p:extLst>
+      <p:ext uri="{BB962C8B-B14F-4D97-AF65-F5344CB8AC3E}">
+        <p14:creationId xmlns:p14="http://schemas.microsoft.com/office/powerpoint/2010/main" val="1357174432"/>
       </p:ext>
     </p:extLst>
   </p:cSld>
@@ -4234,7 +4852,18 @@
               <a:rPr lang="de-CH" sz="2800" dirty="0">
                 <a:latin typeface="Montserrat Medium" panose="00000600000000000000" pitchFamily="2" charset="0"/>
               </a:rPr>
-              <a:t>Wie schreibe ich ein System mit welchem ein Benutzer seine eigene Logik verwirklichen kann? </a:t>
+              <a:t>Wie schreibe ich ein System mit welchem ein Benutzer seine eigene Logik verwirklichen kann?</a:t>
+            </a:r>
+          </a:p>
+          <a:p>
+            <a:pPr marL="0" indent="0" algn="ctr">
+              <a:buNone/>
+            </a:pPr>
+            <a:r>
+              <a:rPr lang="de-CH" sz="2800" dirty="0">
+                <a:latin typeface="Montserrat Medium" panose="00000600000000000000" pitchFamily="2" charset="0"/>
+              </a:rPr>
+              <a:t>Wie  </a:t>
             </a:r>
             <a:endParaRPr lang="en-CH" sz="2800" dirty="0">
               <a:latin typeface="Montserrat Medium" panose="00000600000000000000" pitchFamily="2" charset="0"/>
@@ -4340,7 +4969,7 @@
           <p:cNvPr id="2" name="Titel 1">
             <a:extLst>
               <a:ext uri="{FF2B5EF4-FFF2-40B4-BE49-F238E27FC236}">
-                <a16:creationId xmlns:a16="http://schemas.microsoft.com/office/drawing/2014/main" id="{8842578D-9C6B-41E0-8438-41786F985351}"/>
+                <a16:creationId xmlns:a16="http://schemas.microsoft.com/office/drawing/2014/main" id="{72401D3B-F29C-4B84-A47F-461AD79DA770}"/>
               </a:ext>
             </a:extLst>
           </p:cNvPr>
@@ -4357,10 +4986,10 @@
           <a:lstStyle/>
           <a:p>
             <a:r>
-              <a:rPr lang="de-CH" dirty="0">
+              <a:rPr lang="de-CH" dirty="0" err="1">
                 <a:latin typeface="Montserrat Medium" panose="00000600000000000000" pitchFamily="2" charset="0"/>
               </a:rPr>
-              <a:t>Arbeitsaufteilung</a:t>
+              <a:t>Gameloop</a:t>
             </a:r>
             <a:endParaRPr lang="en-CH" dirty="0">
               <a:latin typeface="Montserrat Medium" panose="00000600000000000000" pitchFamily="2" charset="0"/>
@@ -4368,60 +4997,10 @@
           </a:p>
         </p:txBody>
       </p:sp>
-      <p:sp>
-        <p:nvSpPr>
-          <p:cNvPr id="3" name="Inhaltsplatzhalter 2">
-            <a:extLst>
-              <a:ext uri="{FF2B5EF4-FFF2-40B4-BE49-F238E27FC236}">
-                <a16:creationId xmlns:a16="http://schemas.microsoft.com/office/drawing/2014/main" id="{4F295EE8-FC66-4709-B090-8C9CFE217F56}"/>
-              </a:ext>
-            </a:extLst>
-          </p:cNvPr>
-          <p:cNvSpPr>
-            <a:spLocks noGrp="1"/>
-          </p:cNvSpPr>
-          <p:nvPr>
-            <p:ph sz="half" idx="1"/>
-          </p:nvPr>
-        </p:nvSpPr>
-        <p:spPr/>
-        <p:txBody>
-          <a:bodyPr/>
-          <a:lstStyle/>
-          <a:p>
-            <a:endParaRPr lang="en-CH"/>
-          </a:p>
-        </p:txBody>
-      </p:sp>
-      <p:sp>
-        <p:nvSpPr>
-          <p:cNvPr id="4" name="Inhaltsplatzhalter 3">
-            <a:extLst>
-              <a:ext uri="{FF2B5EF4-FFF2-40B4-BE49-F238E27FC236}">
-                <a16:creationId xmlns:a16="http://schemas.microsoft.com/office/drawing/2014/main" id="{0CD7CDAC-4943-4001-85ED-DF2318DFED8E}"/>
-              </a:ext>
-            </a:extLst>
-          </p:cNvPr>
-          <p:cNvSpPr>
-            <a:spLocks noGrp="1"/>
-          </p:cNvSpPr>
-          <p:nvPr>
-            <p:ph sz="half" idx="2"/>
-          </p:nvPr>
-        </p:nvSpPr>
-        <p:spPr/>
-        <p:txBody>
-          <a:bodyPr/>
-          <a:lstStyle/>
-          <a:p>
-            <a:endParaRPr lang="en-CH"/>
-          </a:p>
-        </p:txBody>
-      </p:sp>
     </p:spTree>
     <p:extLst>
       <p:ext uri="{BB962C8B-B14F-4D97-AF65-F5344CB8AC3E}">
-        <p14:creationId xmlns:p14="http://schemas.microsoft.com/office/powerpoint/2010/main" val="3928477899"/>
+        <p14:creationId xmlns:p14="http://schemas.microsoft.com/office/powerpoint/2010/main" val="3364142869"/>
       </p:ext>
     </p:extLst>
   </p:cSld>
@@ -4453,7 +5032,7 @@
           <p:cNvPr id="2" name="Titel 1">
             <a:extLst>
               <a:ext uri="{FF2B5EF4-FFF2-40B4-BE49-F238E27FC236}">
-                <a16:creationId xmlns:a16="http://schemas.microsoft.com/office/drawing/2014/main" id="{339E767E-4095-4EF0-9069-9BE72E258904}"/>
+                <a16:creationId xmlns:a16="http://schemas.microsoft.com/office/drawing/2014/main" id="{F401717A-1929-4CD1-9257-F48338494378}"/>
               </a:ext>
             </a:extLst>
           </p:cNvPr>
@@ -4473,7 +5052,7 @@
               <a:rPr lang="de-CH" dirty="0">
                 <a:latin typeface="Montserrat Medium" panose="00000600000000000000" pitchFamily="2" charset="0"/>
               </a:rPr>
-              <a:t>Konkurrenzanalyse</a:t>
+              <a:t>Szenario Roboter Bauen</a:t>
             </a:r>
             <a:endParaRPr lang="en-CH" dirty="0">
               <a:latin typeface="Montserrat Medium" panose="00000600000000000000" pitchFamily="2" charset="0"/>
@@ -4486,7 +5065,7 @@
           <p:cNvPr id="3" name="Inhaltsplatzhalter 2">
             <a:extLst>
               <a:ext uri="{FF2B5EF4-FFF2-40B4-BE49-F238E27FC236}">
-                <a16:creationId xmlns:a16="http://schemas.microsoft.com/office/drawing/2014/main" id="{357B8A97-8E94-49D3-8E34-E0A5B86FF1C0}"/>
+                <a16:creationId xmlns:a16="http://schemas.microsoft.com/office/drawing/2014/main" id="{3056E66C-7098-4734-857F-CC1BB64EC52B}"/>
               </a:ext>
             </a:extLst>
           </p:cNvPr>
@@ -4494,32 +5073,7 @@
             <a:spLocks noGrp="1"/>
           </p:cNvSpPr>
           <p:nvPr>
-            <p:ph sz="half" idx="1"/>
-          </p:nvPr>
-        </p:nvSpPr>
-        <p:spPr/>
-        <p:txBody>
-          <a:bodyPr/>
-          <a:lstStyle/>
-          <a:p>
-            <a:endParaRPr lang="en-CH" dirty="0"/>
-          </a:p>
-        </p:txBody>
-      </p:sp>
-      <p:sp>
-        <p:nvSpPr>
-          <p:cNvPr id="4" name="Inhaltsplatzhalter 3">
-            <a:extLst>
-              <a:ext uri="{FF2B5EF4-FFF2-40B4-BE49-F238E27FC236}">
-                <a16:creationId xmlns:a16="http://schemas.microsoft.com/office/drawing/2014/main" id="{6E6CF09B-2D74-43C2-A711-617985800C0F}"/>
-              </a:ext>
-            </a:extLst>
-          </p:cNvPr>
-          <p:cNvSpPr>
-            <a:spLocks noGrp="1"/>
-          </p:cNvSpPr>
-          <p:nvPr>
-            <p:ph sz="half" idx="2"/>
+            <p:ph idx="1"/>
           </p:nvPr>
         </p:nvSpPr>
         <p:spPr/>
@@ -4534,7 +5088,7 @@
     </p:spTree>
     <p:extLst>
       <p:ext uri="{BB962C8B-B14F-4D97-AF65-F5344CB8AC3E}">
-        <p14:creationId xmlns:p14="http://schemas.microsoft.com/office/powerpoint/2010/main" val="1471034957"/>
+        <p14:creationId xmlns:p14="http://schemas.microsoft.com/office/powerpoint/2010/main" val="1758817780"/>
       </p:ext>
     </p:extLst>
   </p:cSld>
@@ -4566,7 +5120,7 @@
           <p:cNvPr id="2" name="Titel 1">
             <a:extLst>
               <a:ext uri="{FF2B5EF4-FFF2-40B4-BE49-F238E27FC236}">
-                <a16:creationId xmlns:a16="http://schemas.microsoft.com/office/drawing/2014/main" id="{72401D3B-F29C-4B84-A47F-461AD79DA770}"/>
+                <a16:creationId xmlns:a16="http://schemas.microsoft.com/office/drawing/2014/main" id="{D8D07432-82B5-4200-B1E5-02FC812A67DB}"/>
               </a:ext>
             </a:extLst>
           </p:cNvPr>
@@ -4583,10 +5137,10 @@
           <a:lstStyle/>
           <a:p>
             <a:r>
-              <a:rPr lang="de-CH" dirty="0" err="1">
+              <a:rPr lang="de-CH" dirty="0">
                 <a:latin typeface="Montserrat Medium" panose="00000600000000000000" pitchFamily="2" charset="0"/>
               </a:rPr>
-              <a:t>Gameloop</a:t>
+              <a:t>UI SHOW</a:t>
             </a:r>
             <a:endParaRPr lang="en-CH" dirty="0">
               <a:latin typeface="Montserrat Medium" panose="00000600000000000000" pitchFamily="2" charset="0"/>
@@ -4594,10 +5148,60 @@
           </a:p>
         </p:txBody>
       </p:sp>
+      <p:sp>
+        <p:nvSpPr>
+          <p:cNvPr id="3" name="Inhaltsplatzhalter 2">
+            <a:extLst>
+              <a:ext uri="{FF2B5EF4-FFF2-40B4-BE49-F238E27FC236}">
+                <a16:creationId xmlns:a16="http://schemas.microsoft.com/office/drawing/2014/main" id="{A2576AAD-B3BB-469F-8221-64372879DF85}"/>
+              </a:ext>
+            </a:extLst>
+          </p:cNvPr>
+          <p:cNvSpPr>
+            <a:spLocks noGrp="1"/>
+          </p:cNvSpPr>
+          <p:nvPr>
+            <p:ph idx="1"/>
+          </p:nvPr>
+        </p:nvSpPr>
+        <p:spPr/>
+        <p:txBody>
+          <a:bodyPr/>
+          <a:lstStyle/>
+          <a:p>
+            <a:endParaRPr lang="en-CH" dirty="0"/>
+          </a:p>
+        </p:txBody>
+      </p:sp>
+      <p:sp>
+        <p:nvSpPr>
+          <p:cNvPr id="4" name="Textplatzhalter 3">
+            <a:extLst>
+              <a:ext uri="{FF2B5EF4-FFF2-40B4-BE49-F238E27FC236}">
+                <a16:creationId xmlns:a16="http://schemas.microsoft.com/office/drawing/2014/main" id="{0B33CC7F-D788-450A-893C-8581A442D28C}"/>
+              </a:ext>
+            </a:extLst>
+          </p:cNvPr>
+          <p:cNvSpPr>
+            <a:spLocks noGrp="1"/>
+          </p:cNvSpPr>
+          <p:nvPr>
+            <p:ph type="body" sz="half" idx="2"/>
+          </p:nvPr>
+        </p:nvSpPr>
+        <p:spPr/>
+        <p:txBody>
+          <a:bodyPr/>
+          <a:lstStyle/>
+          <a:p>
+            <a:endParaRPr lang="en-CH" dirty="0"/>
+          </a:p>
+        </p:txBody>
+      </p:sp>
     </p:spTree>
     <p:extLst>
       <p:ext uri="{BB962C8B-B14F-4D97-AF65-F5344CB8AC3E}">
-        <p14:creationId xmlns:p14="http://schemas.microsoft.com/office/powerpoint/2010/main" val="3364142869"/>
+        <p14:creationId xmlns:p14="http://schemas.microsoft.com/office/powerpoint/2010/main" val="1616007802"/>
       </p:ext>
     </p:extLst>
   </p:cSld>
@@ -4649,7 +5253,7 @@
               <a:rPr lang="de-CH" dirty="0">
                 <a:latin typeface="Montserrat Medium" panose="00000600000000000000" pitchFamily="2" charset="0"/>
               </a:rPr>
-              <a:t>Szenario</a:t>
+              <a:t>Szenario Roboter Programmieren</a:t>
             </a:r>
             <a:endParaRPr lang="en-CH" dirty="0">
               <a:latin typeface="Montserrat Medium" panose="00000600000000000000" pitchFamily="2" charset="0"/>
@@ -4685,7 +5289,7 @@
     </p:spTree>
     <p:extLst>
       <p:ext uri="{BB962C8B-B14F-4D97-AF65-F5344CB8AC3E}">
-        <p14:creationId xmlns:p14="http://schemas.microsoft.com/office/powerpoint/2010/main" val="1758817780"/>
+        <p14:creationId xmlns:p14="http://schemas.microsoft.com/office/powerpoint/2010/main" val="4236473210"/>
       </p:ext>
     </p:extLst>
   </p:cSld>
@@ -4717,7 +5321,7 @@
           <p:cNvPr id="2" name="Titel 1">
             <a:extLst>
               <a:ext uri="{FF2B5EF4-FFF2-40B4-BE49-F238E27FC236}">
-                <a16:creationId xmlns:a16="http://schemas.microsoft.com/office/drawing/2014/main" id="{D8D07432-82B5-4200-B1E5-02FC812A67DB}"/>
+                <a16:creationId xmlns:a16="http://schemas.microsoft.com/office/drawing/2014/main" id="{F401717A-1929-4CD1-9257-F48338494378}"/>
               </a:ext>
             </a:extLst>
           </p:cNvPr>
@@ -4737,7 +5341,7 @@
               <a:rPr lang="de-CH" dirty="0">
                 <a:latin typeface="Montserrat Medium" panose="00000600000000000000" pitchFamily="2" charset="0"/>
               </a:rPr>
-              <a:t>UI SHOW</a:t>
+              <a:t>Szenario Roboter Kampf</a:t>
             </a:r>
             <a:endParaRPr lang="en-CH" dirty="0">
               <a:latin typeface="Montserrat Medium" panose="00000600000000000000" pitchFamily="2" charset="0"/>
@@ -4750,7 +5354,7 @@
           <p:cNvPr id="3" name="Inhaltsplatzhalter 2">
             <a:extLst>
               <a:ext uri="{FF2B5EF4-FFF2-40B4-BE49-F238E27FC236}">
-                <a16:creationId xmlns:a16="http://schemas.microsoft.com/office/drawing/2014/main" id="{A2576AAD-B3BB-469F-8221-64372879DF85}"/>
+                <a16:creationId xmlns:a16="http://schemas.microsoft.com/office/drawing/2014/main" id="{3056E66C-7098-4734-857F-CC1BB64EC52B}"/>
               </a:ext>
             </a:extLst>
           </p:cNvPr>
@@ -4766,39 +5370,14 @@
           <a:bodyPr/>
           <a:lstStyle/>
           <a:p>
-            <a:endParaRPr lang="en-CH" dirty="0"/>
-          </a:p>
-        </p:txBody>
-      </p:sp>
-      <p:sp>
-        <p:nvSpPr>
-          <p:cNvPr id="4" name="Textplatzhalter 3">
-            <a:extLst>
-              <a:ext uri="{FF2B5EF4-FFF2-40B4-BE49-F238E27FC236}">
-                <a16:creationId xmlns:a16="http://schemas.microsoft.com/office/drawing/2014/main" id="{0B33CC7F-D788-450A-893C-8581A442D28C}"/>
-              </a:ext>
-            </a:extLst>
-          </p:cNvPr>
-          <p:cNvSpPr>
-            <a:spLocks noGrp="1"/>
-          </p:cNvSpPr>
-          <p:nvPr>
-            <p:ph type="body" sz="half" idx="2"/>
-          </p:nvPr>
-        </p:nvSpPr>
-        <p:spPr/>
-        <p:txBody>
-          <a:bodyPr/>
-          <a:lstStyle/>
-          <a:p>
-            <a:endParaRPr lang="en-CH" dirty="0"/>
+            <a:endParaRPr lang="en-CH"/>
           </a:p>
         </p:txBody>
       </p:sp>
     </p:spTree>
     <p:extLst>
       <p:ext uri="{BB962C8B-B14F-4D97-AF65-F5344CB8AC3E}">
-        <p14:creationId xmlns:p14="http://schemas.microsoft.com/office/powerpoint/2010/main" val="1616007802"/>
+        <p14:creationId xmlns:p14="http://schemas.microsoft.com/office/powerpoint/2010/main" val="1327694054"/>
       </p:ext>
     </p:extLst>
   </p:cSld>
